--- a/slides/04_local_search_discussion.pptx
+++ b/slides/04_local_search_discussion.pptx
@@ -5,7 +5,7 @@
     <p:sldMasterId id="2147483708" r:id="rId1"/>
   </p:sldMasterIdLst>
   <p:notesMasterIdLst>
-    <p:notesMasterId r:id="rId13"/>
+    <p:notesMasterId r:id="rId14"/>
   </p:notesMasterIdLst>
   <p:sldIdLst>
     <p:sldId id="311" r:id="rId2"/>
@@ -19,6 +19,7 @@
     <p:sldId id="331" r:id="rId10"/>
     <p:sldId id="316" r:id="rId11"/>
     <p:sldId id="333" r:id="rId12"/>
+    <p:sldId id="335" r:id="rId13"/>
   </p:sldIdLst>
   <p:sldSz cx="9144000" cy="6858000" type="screen4x3"/>
   <p:notesSz cx="7315200" cy="9601200"/>
@@ -149,6 +150,7 @@
           <p14:sldIdLst>
             <p14:sldId id="316"/>
             <p14:sldId id="333"/>
+            <p14:sldId id="335"/>
           </p14:sldIdLst>
         </p14:section>
       </p14:sectionLst>
@@ -254,7 +256,7 @@
             <a:fld id="{46E2045A-045A-4BC7-A4D3-1395440B1C3D}" type="datetimeFigureOut">
               <a:rPr lang="en-US" smtClean="0"/>
               <a:pPr/>
-              <a:t>6/16/2025</a:t>
+              <a:t>9/25/2025</a:t>
             </a:fld>
             <a:endParaRPr lang="en-US"/>
           </a:p>
@@ -8823,6 +8825,98 @@
 </p:sld>
 </file>
 
+<file path=ppt/slides/slide12.xml><?xml version="1.0" encoding="utf-8"?>
+<p:sld xmlns:a="http://schemas.openxmlformats.org/drawingml/2006/main" xmlns:r="http://schemas.openxmlformats.org/officeDocument/2006/relationships" xmlns:p="http://schemas.openxmlformats.org/presentationml/2006/main">
+  <p:cSld>
+    <p:spTree>
+      <p:nvGrpSpPr>
+        <p:cNvPr id="1" name=""/>
+        <p:cNvGrpSpPr/>
+        <p:nvPr/>
+      </p:nvGrpSpPr>
+      <p:grpSpPr>
+        <a:xfrm>
+          <a:off x="0" y="0"/>
+          <a:ext cx="0" cy="0"/>
+          <a:chOff x="0" y="0"/>
+          <a:chExt cx="0" cy="0"/>
+        </a:xfrm>
+      </p:grpSpPr>
+      <p:sp>
+        <p:nvSpPr>
+          <p:cNvPr id="2" name="Title 1">
+            <a:extLst>
+              <a:ext uri="{FF2B5EF4-FFF2-40B4-BE49-F238E27FC236}">
+                <a16:creationId xmlns:a16="http://schemas.microsoft.com/office/drawing/2014/main" id="{960F3105-9F70-3DB4-1069-C3A3C1DCACFF}"/>
+              </a:ext>
+            </a:extLst>
+          </p:cNvPr>
+          <p:cNvSpPr>
+            <a:spLocks noGrp="1"/>
+          </p:cNvSpPr>
+          <p:nvPr>
+            <p:ph type="title"/>
+          </p:nvPr>
+        </p:nvSpPr>
+        <p:spPr/>
+        <p:txBody>
+          <a:bodyPr/>
+          <a:lstStyle/>
+          <a:p>
+            <a:r>
+              <a:rPr lang="en-US" dirty="0"/>
+              <a:t>Example</a:t>
+            </a:r>
+          </a:p>
+        </p:txBody>
+      </p:sp>
+      <p:sp>
+        <p:nvSpPr>
+          <p:cNvPr id="3" name="Content Placeholder 2">
+            <a:extLst>
+              <a:ext uri="{FF2B5EF4-FFF2-40B4-BE49-F238E27FC236}">
+                <a16:creationId xmlns:a16="http://schemas.microsoft.com/office/drawing/2014/main" id="{3F9C2FC2-243C-0723-559F-E0AF4EF074AB}"/>
+              </a:ext>
+            </a:extLst>
+          </p:cNvPr>
+          <p:cNvSpPr>
+            <a:spLocks noGrp="1"/>
+          </p:cNvSpPr>
+          <p:nvPr>
+            <p:ph type="body" idx="1"/>
+          </p:nvPr>
+        </p:nvSpPr>
+        <p:spPr/>
+        <p:txBody>
+          <a:bodyPr/>
+          <a:lstStyle/>
+          <a:p>
+            <a:pPr marL="0" indent="0">
+              <a:buNone/>
+            </a:pPr>
+            <a:r>
+              <a:rPr lang="en-US" dirty="0">
+                <a:hlinkClick r:id="rId2"/>
+              </a:rPr>
+              <a:t>Apply Simple Hill Climbing to the L-Maze</a:t>
+            </a:r>
+            <a:endParaRPr lang="en-US" dirty="0"/>
+          </a:p>
+        </p:txBody>
+      </p:sp>
+    </p:spTree>
+    <p:extLst>
+      <p:ext uri="{BB962C8B-B14F-4D97-AF65-F5344CB8AC3E}">
+        <p14:creationId xmlns:p14="http://schemas.microsoft.com/office/powerpoint/2010/main" val="3436900014"/>
+      </p:ext>
+    </p:extLst>
+  </p:cSld>
+  <p:clrMapOvr>
+    <a:masterClrMapping/>
+  </p:clrMapOvr>
+</p:sld>
+</file>
+
 <file path=ppt/slides/slide2.xml><?xml version="1.0" encoding="utf-8"?>
 <p:sld xmlns:a="http://schemas.openxmlformats.org/drawingml/2006/main" xmlns:r="http://schemas.openxmlformats.org/officeDocument/2006/relationships" xmlns:p="http://schemas.openxmlformats.org/presentationml/2006/main">
   <p:cSld>
@@ -11871,7 +11965,7 @@
         <p:spPr>
           <a:xfrm>
             <a:off x="357982" y="1861066"/>
-            <a:ext cx="5425283" cy="3437042"/>
+            <a:ext cx="5425283" cy="4692134"/>
           </a:xfrm>
         </p:spPr>
         <p:txBody>
@@ -11881,12 +11975,8 @@
           <a:lstStyle/>
           <a:p>
             <a:r>
-              <a:rPr lang="en-US" sz="1800" b="1" dirty="0"/>
-              <a:t>First-choice stochastic hill climbing</a:t>
-            </a:r>
-            <a:r>
               <a:rPr lang="en-US" sz="1800" dirty="0"/>
-              <a:t>:  </a:t>
+              <a:t>First-choice stochastic hill climbing:  </a:t>
             </a:r>
             <a:r>
               <a:rPr lang="en-US" sz="1800" dirty="0">
@@ -11917,7 +12007,7 @@
           <a:p>
             <a:r>
               <a:rPr lang="en-US" sz="1800" b="1" dirty="0"/>
-              <a:t>Steps:</a:t>
+              <a:t>Simulate a few steps:</a:t>
             </a:r>
           </a:p>
           <a:p>
@@ -11936,9 +12026,13 @@
             <a:endParaRPr lang="en-US" sz="1800" b="1" dirty="0"/>
           </a:p>
           <a:p>
+            <a:r>
+              <a:rPr lang="en-US" sz="1800" b="1" dirty="0"/>
+              <a:t>Describe</a:t>
+            </a:r>
             <a:r>
               <a:rPr lang="en-US" sz="1800" dirty="0"/>
-              <a:t>Why is the result equivalent to stochastic hill climbing that calculates the heuristic for all moves?</a:t>
+              <a:t> why the result is equivalent to stochastic hill climbing that calculates the heuristic for all moves?</a:t>
             </a:r>
           </a:p>
         </p:txBody>
